--- a/march/week-2/meeting-1/PPT.pptx
+++ b/march/week-2/meeting-1/PPT.pptx
@@ -262,7 +262,7 @@
           <a:p>
             <a:fld id="{F3710986-E81A-4BE6-9E5A-CDCB8B160244}" type="datetimeFigureOut">
               <a:rPr lang="en-US" smtClean="0"/>
-              <a:t>3/6/2022</a:t>
+              <a:t>3/7/2022</a:t>
             </a:fld>
             <a:endParaRPr lang="en-US"/>
           </a:p>
@@ -460,7 +460,7 @@
           <a:p>
             <a:fld id="{F3710986-E81A-4BE6-9E5A-CDCB8B160244}" type="datetimeFigureOut">
               <a:rPr lang="en-US" smtClean="0"/>
-              <a:t>3/6/2022</a:t>
+              <a:t>3/7/2022</a:t>
             </a:fld>
             <a:endParaRPr lang="en-US"/>
           </a:p>
@@ -668,7 +668,7 @@
           <a:p>
             <a:fld id="{F3710986-E81A-4BE6-9E5A-CDCB8B160244}" type="datetimeFigureOut">
               <a:rPr lang="en-US" smtClean="0"/>
-              <a:t>3/6/2022</a:t>
+              <a:t>3/7/2022</a:t>
             </a:fld>
             <a:endParaRPr lang="en-US"/>
           </a:p>
@@ -866,7 +866,7 @@
           <a:p>
             <a:fld id="{F3710986-E81A-4BE6-9E5A-CDCB8B160244}" type="datetimeFigureOut">
               <a:rPr lang="en-US" smtClean="0"/>
-              <a:t>3/6/2022</a:t>
+              <a:t>3/7/2022</a:t>
             </a:fld>
             <a:endParaRPr lang="en-US"/>
           </a:p>
@@ -1141,7 +1141,7 @@
           <a:p>
             <a:fld id="{F3710986-E81A-4BE6-9E5A-CDCB8B160244}" type="datetimeFigureOut">
               <a:rPr lang="en-US" smtClean="0"/>
-              <a:t>3/6/2022</a:t>
+              <a:t>3/7/2022</a:t>
             </a:fld>
             <a:endParaRPr lang="en-US"/>
           </a:p>
@@ -1406,7 +1406,7 @@
           <a:p>
             <a:fld id="{F3710986-E81A-4BE6-9E5A-CDCB8B160244}" type="datetimeFigureOut">
               <a:rPr lang="en-US" smtClean="0"/>
-              <a:t>3/6/2022</a:t>
+              <a:t>3/7/2022</a:t>
             </a:fld>
             <a:endParaRPr lang="en-US"/>
           </a:p>
@@ -1818,7 +1818,7 @@
           <a:p>
             <a:fld id="{F3710986-E81A-4BE6-9E5A-CDCB8B160244}" type="datetimeFigureOut">
               <a:rPr lang="en-US" smtClean="0"/>
-              <a:t>3/6/2022</a:t>
+              <a:t>3/7/2022</a:t>
             </a:fld>
             <a:endParaRPr lang="en-US"/>
           </a:p>
@@ -1959,7 +1959,7 @@
           <a:p>
             <a:fld id="{F3710986-E81A-4BE6-9E5A-CDCB8B160244}" type="datetimeFigureOut">
               <a:rPr lang="en-US" smtClean="0"/>
-              <a:t>3/6/2022</a:t>
+              <a:t>3/7/2022</a:t>
             </a:fld>
             <a:endParaRPr lang="en-US"/>
           </a:p>
@@ -2072,7 +2072,7 @@
           <a:p>
             <a:fld id="{F3710986-E81A-4BE6-9E5A-CDCB8B160244}" type="datetimeFigureOut">
               <a:rPr lang="en-US" smtClean="0"/>
-              <a:t>3/6/2022</a:t>
+              <a:t>3/7/2022</a:t>
             </a:fld>
             <a:endParaRPr lang="en-US"/>
           </a:p>
@@ -2383,7 +2383,7 @@
           <a:p>
             <a:fld id="{F3710986-E81A-4BE6-9E5A-CDCB8B160244}" type="datetimeFigureOut">
               <a:rPr lang="en-US" smtClean="0"/>
-              <a:t>3/6/2022</a:t>
+              <a:t>3/7/2022</a:t>
             </a:fld>
             <a:endParaRPr lang="en-US"/>
           </a:p>
@@ -2671,7 +2671,7 @@
           <a:p>
             <a:fld id="{F3710986-E81A-4BE6-9E5A-CDCB8B160244}" type="datetimeFigureOut">
               <a:rPr lang="en-US" smtClean="0"/>
-              <a:t>3/6/2022</a:t>
+              <a:t>3/7/2022</a:t>
             </a:fld>
             <a:endParaRPr lang="en-US"/>
           </a:p>
@@ -2912,7 +2912,7 @@
           <a:p>
             <a:fld id="{F3710986-E81A-4BE6-9E5A-CDCB8B160244}" type="datetimeFigureOut">
               <a:rPr lang="en-US" smtClean="0"/>
-              <a:t>3/6/2022</a:t>
+              <a:t>3/7/2022</a:t>
             </a:fld>
             <a:endParaRPr lang="en-US"/>
           </a:p>

--- a/march/week-2/meeting-1/PPT.pptx
+++ b/march/week-2/meeting-1/PPT.pptx
@@ -8,7 +8,9 @@
     <p:sldId id="256" r:id="rId2"/>
     <p:sldId id="257" r:id="rId3"/>
     <p:sldId id="258" r:id="rId4"/>
-    <p:sldId id="267" r:id="rId5"/>
+    <p:sldId id="268" r:id="rId5"/>
+    <p:sldId id="269" r:id="rId6"/>
+    <p:sldId id="267" r:id="rId7"/>
   </p:sldIdLst>
   <p:sldSz cx="12192000" cy="6858000"/>
   <p:notesSz cx="6858000" cy="9144000"/>
@@ -262,7 +264,7 @@
           <a:p>
             <a:fld id="{F3710986-E81A-4BE6-9E5A-CDCB8B160244}" type="datetimeFigureOut">
               <a:rPr lang="en-US" smtClean="0"/>
-              <a:t>3/7/2022</a:t>
+              <a:t>3/8/2022</a:t>
             </a:fld>
             <a:endParaRPr lang="en-US"/>
           </a:p>
@@ -460,7 +462,7 @@
           <a:p>
             <a:fld id="{F3710986-E81A-4BE6-9E5A-CDCB8B160244}" type="datetimeFigureOut">
               <a:rPr lang="en-US" smtClean="0"/>
-              <a:t>3/7/2022</a:t>
+              <a:t>3/8/2022</a:t>
             </a:fld>
             <a:endParaRPr lang="en-US"/>
           </a:p>
@@ -668,7 +670,7 @@
           <a:p>
             <a:fld id="{F3710986-E81A-4BE6-9E5A-CDCB8B160244}" type="datetimeFigureOut">
               <a:rPr lang="en-US" smtClean="0"/>
-              <a:t>3/7/2022</a:t>
+              <a:t>3/8/2022</a:t>
             </a:fld>
             <a:endParaRPr lang="en-US"/>
           </a:p>
@@ -866,7 +868,7 @@
           <a:p>
             <a:fld id="{F3710986-E81A-4BE6-9E5A-CDCB8B160244}" type="datetimeFigureOut">
               <a:rPr lang="en-US" smtClean="0"/>
-              <a:t>3/7/2022</a:t>
+              <a:t>3/8/2022</a:t>
             </a:fld>
             <a:endParaRPr lang="en-US"/>
           </a:p>
@@ -1141,7 +1143,7 @@
           <a:p>
             <a:fld id="{F3710986-E81A-4BE6-9E5A-CDCB8B160244}" type="datetimeFigureOut">
               <a:rPr lang="en-US" smtClean="0"/>
-              <a:t>3/7/2022</a:t>
+              <a:t>3/8/2022</a:t>
             </a:fld>
             <a:endParaRPr lang="en-US"/>
           </a:p>
@@ -1406,7 +1408,7 @@
           <a:p>
             <a:fld id="{F3710986-E81A-4BE6-9E5A-CDCB8B160244}" type="datetimeFigureOut">
               <a:rPr lang="en-US" smtClean="0"/>
-              <a:t>3/7/2022</a:t>
+              <a:t>3/8/2022</a:t>
             </a:fld>
             <a:endParaRPr lang="en-US"/>
           </a:p>
@@ -1818,7 +1820,7 @@
           <a:p>
             <a:fld id="{F3710986-E81A-4BE6-9E5A-CDCB8B160244}" type="datetimeFigureOut">
               <a:rPr lang="en-US" smtClean="0"/>
-              <a:t>3/7/2022</a:t>
+              <a:t>3/8/2022</a:t>
             </a:fld>
             <a:endParaRPr lang="en-US"/>
           </a:p>
@@ -1959,7 +1961,7 @@
           <a:p>
             <a:fld id="{F3710986-E81A-4BE6-9E5A-CDCB8B160244}" type="datetimeFigureOut">
               <a:rPr lang="en-US" smtClean="0"/>
-              <a:t>3/7/2022</a:t>
+              <a:t>3/8/2022</a:t>
             </a:fld>
             <a:endParaRPr lang="en-US"/>
           </a:p>
@@ -2072,7 +2074,7 @@
           <a:p>
             <a:fld id="{F3710986-E81A-4BE6-9E5A-CDCB8B160244}" type="datetimeFigureOut">
               <a:rPr lang="en-US" smtClean="0"/>
-              <a:t>3/7/2022</a:t>
+              <a:t>3/8/2022</a:t>
             </a:fld>
             <a:endParaRPr lang="en-US"/>
           </a:p>
@@ -2383,7 +2385,7 @@
           <a:p>
             <a:fld id="{F3710986-E81A-4BE6-9E5A-CDCB8B160244}" type="datetimeFigureOut">
               <a:rPr lang="en-US" smtClean="0"/>
-              <a:t>3/7/2022</a:t>
+              <a:t>3/8/2022</a:t>
             </a:fld>
             <a:endParaRPr lang="en-US"/>
           </a:p>
@@ -2671,7 +2673,7 @@
           <a:p>
             <a:fld id="{F3710986-E81A-4BE6-9E5A-CDCB8B160244}" type="datetimeFigureOut">
               <a:rPr lang="en-US" smtClean="0"/>
-              <a:t>3/7/2022</a:t>
+              <a:t>3/8/2022</a:t>
             </a:fld>
             <a:endParaRPr lang="en-US"/>
           </a:p>
@@ -2912,7 +2914,7 @@
           <a:p>
             <a:fld id="{F3710986-E81A-4BE6-9E5A-CDCB8B160244}" type="datetimeFigureOut">
               <a:rPr lang="en-US" smtClean="0"/>
-              <a:t>3/7/2022</a:t>
+              <a:t>3/8/2022</a:t>
             </a:fld>
             <a:endParaRPr lang="en-US"/>
           </a:p>
@@ -4391,6 +4393,972 @@
       </p:grpSpPr>
       <p:sp>
         <p:nvSpPr>
+          <p:cNvPr id="2" name="TextBox 1">
+            <a:extLst>
+              <a:ext uri="{FF2B5EF4-FFF2-40B4-BE49-F238E27FC236}">
+                <a16:creationId xmlns:a16="http://schemas.microsoft.com/office/drawing/2014/main" id="{0E7EE16C-6AD0-46E7-8956-3A52A4670FD0}"/>
+              </a:ext>
+            </a:extLst>
+          </p:cNvPr>
+          <p:cNvSpPr txBox="1"/>
+          <p:nvPr/>
+        </p:nvSpPr>
+        <p:spPr>
+          <a:xfrm>
+            <a:off x="770950" y="377376"/>
+            <a:ext cx="1582484" cy="338554"/>
+          </a:xfrm>
+          <a:prstGeom prst="rect">
+            <a:avLst/>
+          </a:prstGeom>
+          <a:noFill/>
+        </p:spPr>
+        <p:txBody>
+          <a:bodyPr wrap="none" rtlCol="0">
+            <a:spAutoFit/>
+          </a:bodyPr>
+          <a:lstStyle/>
+          <a:p>
+            <a:r>
+              <a:rPr lang="en-US" sz="1600" dirty="0">
+                <a:latin typeface="Poppins" panose="00000500000000000000" pitchFamily="2" charset="0"/>
+                <a:cs typeface="Poppins" panose="00000500000000000000" pitchFamily="2" charset="0"/>
+              </a:rPr>
+              <a:t>Local Storage</a:t>
+            </a:r>
+          </a:p>
+        </p:txBody>
+      </p:sp>
+      <p:grpSp>
+        <p:nvGrpSpPr>
+          <p:cNvPr id="19" name="Group 18">
+            <a:extLst>
+              <a:ext uri="{FF2B5EF4-FFF2-40B4-BE49-F238E27FC236}">
+                <a16:creationId xmlns:a16="http://schemas.microsoft.com/office/drawing/2014/main" id="{994424D1-79A0-4768-AA9A-3AAA3AEDE440}"/>
+              </a:ext>
+            </a:extLst>
+          </p:cNvPr>
+          <p:cNvGrpSpPr/>
+          <p:nvPr/>
+        </p:nvGrpSpPr>
+        <p:grpSpPr>
+          <a:xfrm>
+            <a:off x="1460592" y="851192"/>
+            <a:ext cx="6066275" cy="2679408"/>
+            <a:chOff x="1562192" y="859659"/>
+            <a:chExt cx="6066275" cy="2679408"/>
+          </a:xfrm>
+        </p:grpSpPr>
+        <p:pic>
+          <p:nvPicPr>
+            <p:cNvPr id="8" name="Picture 7">
+              <a:extLst>
+                <a:ext uri="{FF2B5EF4-FFF2-40B4-BE49-F238E27FC236}">
+                  <a16:creationId xmlns:a16="http://schemas.microsoft.com/office/drawing/2014/main" id="{F40ACD3B-F891-4A9E-ACCB-E16FD4CD3A96}"/>
+                </a:ext>
+              </a:extLst>
+            </p:cNvPr>
+            <p:cNvPicPr>
+              <a:picLocks noChangeAspect="1"/>
+            </p:cNvPicPr>
+            <p:nvPr/>
+          </p:nvPicPr>
+          <p:blipFill>
+            <a:blip r:embed="rId2">
+              <a:extLst>
+                <a:ext uri="{28A0092B-C50C-407E-A947-70E740481C1C}">
+                  <a14:useLocalDpi xmlns:a14="http://schemas.microsoft.com/office/drawing/2010/main" val="0"/>
+                </a:ext>
+              </a:extLst>
+            </a:blip>
+            <a:stretch>
+              <a:fillRect/>
+            </a:stretch>
+          </p:blipFill>
+          <p:spPr>
+            <a:xfrm>
+              <a:off x="1562192" y="859659"/>
+              <a:ext cx="3450098" cy="2679408"/>
+            </a:xfrm>
+            <a:prstGeom prst="rect">
+              <a:avLst/>
+            </a:prstGeom>
+          </p:spPr>
+        </p:pic>
+        <p:cxnSp>
+          <p:nvCxnSpPr>
+            <p:cNvPr id="9" name="Straight Connector 8">
+              <a:extLst>
+                <a:ext uri="{FF2B5EF4-FFF2-40B4-BE49-F238E27FC236}">
+                  <a16:creationId xmlns:a16="http://schemas.microsoft.com/office/drawing/2014/main" id="{F0FAC126-582C-439C-B547-7898572C6FE5}"/>
+                </a:ext>
+              </a:extLst>
+            </p:cNvPr>
+            <p:cNvCxnSpPr>
+              <a:cxnSpLocks/>
+            </p:cNvCxnSpPr>
+            <p:nvPr/>
+          </p:nvCxnSpPr>
+          <p:spPr>
+            <a:xfrm flipH="1">
+              <a:off x="2870200" y="1981200"/>
+              <a:ext cx="2565400" cy="1"/>
+            </a:xfrm>
+            <a:prstGeom prst="line">
+              <a:avLst/>
+            </a:prstGeom>
+            <a:ln>
+              <a:solidFill>
+                <a:srgbClr val="FF0000"/>
+              </a:solidFill>
+            </a:ln>
+          </p:spPr>
+          <p:style>
+            <a:lnRef idx="1">
+              <a:schemeClr val="accent6"/>
+            </a:lnRef>
+            <a:fillRef idx="0">
+              <a:schemeClr val="accent6"/>
+            </a:fillRef>
+            <a:effectRef idx="0">
+              <a:schemeClr val="accent6"/>
+            </a:effectRef>
+            <a:fontRef idx="minor">
+              <a:schemeClr val="tx1"/>
+            </a:fontRef>
+          </p:style>
+        </p:cxnSp>
+        <p:sp>
+          <p:nvSpPr>
+            <p:cNvPr id="13" name="TextBox 12">
+              <a:extLst>
+                <a:ext uri="{FF2B5EF4-FFF2-40B4-BE49-F238E27FC236}">
+                  <a16:creationId xmlns:a16="http://schemas.microsoft.com/office/drawing/2014/main" id="{4A9FB4F4-03A8-4024-B1E1-C4DD0E8FC698}"/>
+                </a:ext>
+              </a:extLst>
+            </p:cNvPr>
+            <p:cNvSpPr txBox="1"/>
+            <p:nvPr/>
+          </p:nvSpPr>
+          <p:spPr>
+            <a:xfrm>
+              <a:off x="5435600" y="1858089"/>
+              <a:ext cx="507999" cy="246221"/>
+            </a:xfrm>
+            <a:prstGeom prst="rect">
+              <a:avLst/>
+            </a:prstGeom>
+            <a:noFill/>
+          </p:spPr>
+          <p:txBody>
+            <a:bodyPr wrap="square" rtlCol="0">
+              <a:spAutoFit/>
+            </a:bodyPr>
+            <a:lstStyle/>
+            <a:p>
+              <a:r>
+                <a:rPr lang="en-US" sz="1000" dirty="0">
+                  <a:latin typeface="Poppins" panose="00000500000000000000" pitchFamily="2" charset="0"/>
+                  <a:cs typeface="Poppins" panose="00000500000000000000" pitchFamily="2" charset="0"/>
+                </a:rPr>
+                <a:t>Key</a:t>
+              </a:r>
+            </a:p>
+          </p:txBody>
+        </p:sp>
+        <p:cxnSp>
+          <p:nvCxnSpPr>
+            <p:cNvPr id="14" name="Straight Connector 13">
+              <a:extLst>
+                <a:ext uri="{FF2B5EF4-FFF2-40B4-BE49-F238E27FC236}">
+                  <a16:creationId xmlns:a16="http://schemas.microsoft.com/office/drawing/2014/main" id="{FB6443EE-1FE1-4E16-96F7-8F1874D63BA1}"/>
+                </a:ext>
+              </a:extLst>
+            </p:cNvPr>
+            <p:cNvCxnSpPr>
+              <a:cxnSpLocks/>
+            </p:cNvCxnSpPr>
+            <p:nvPr/>
+          </p:nvCxnSpPr>
+          <p:spPr>
+            <a:xfrm flipH="1">
+              <a:off x="4588933" y="2248039"/>
+              <a:ext cx="1176867" cy="0"/>
+            </a:xfrm>
+            <a:prstGeom prst="line">
+              <a:avLst/>
+            </a:prstGeom>
+            <a:ln>
+              <a:solidFill>
+                <a:srgbClr val="FF0000"/>
+              </a:solidFill>
+            </a:ln>
+          </p:spPr>
+          <p:style>
+            <a:lnRef idx="1">
+              <a:schemeClr val="accent6"/>
+            </a:lnRef>
+            <a:fillRef idx="0">
+              <a:schemeClr val="accent6"/>
+            </a:fillRef>
+            <a:effectRef idx="0">
+              <a:schemeClr val="accent6"/>
+            </a:effectRef>
+            <a:fontRef idx="minor">
+              <a:schemeClr val="tx1"/>
+            </a:fontRef>
+          </p:style>
+        </p:cxnSp>
+        <p:sp>
+          <p:nvSpPr>
+            <p:cNvPr id="17" name="TextBox 16">
+              <a:extLst>
+                <a:ext uri="{FF2B5EF4-FFF2-40B4-BE49-F238E27FC236}">
+                  <a16:creationId xmlns:a16="http://schemas.microsoft.com/office/drawing/2014/main" id="{3EF5A0EC-D4E8-4BCE-B6D3-D770F3FDC813}"/>
+                </a:ext>
+              </a:extLst>
+            </p:cNvPr>
+            <p:cNvSpPr txBox="1"/>
+            <p:nvPr/>
+          </p:nvSpPr>
+          <p:spPr>
+            <a:xfrm>
+              <a:off x="5842000" y="2124928"/>
+              <a:ext cx="1786467" cy="246221"/>
+            </a:xfrm>
+            <a:prstGeom prst="rect">
+              <a:avLst/>
+            </a:prstGeom>
+            <a:noFill/>
+          </p:spPr>
+          <p:txBody>
+            <a:bodyPr wrap="square" rtlCol="0">
+              <a:spAutoFit/>
+            </a:bodyPr>
+            <a:lstStyle/>
+            <a:p>
+              <a:r>
+                <a:rPr lang="en-US" sz="1000" dirty="0">
+                  <a:latin typeface="Poppins" panose="00000500000000000000" pitchFamily="2" charset="0"/>
+                  <a:cs typeface="Poppins" panose="00000500000000000000" pitchFamily="2" charset="0"/>
+                </a:rPr>
+                <a:t>Value </a:t>
+              </a:r>
+              <a:r>
+                <a:rPr lang="en-US" sz="1000" dirty="0" err="1">
+                  <a:latin typeface="Poppins" panose="00000500000000000000" pitchFamily="2" charset="0"/>
+                  <a:cs typeface="Poppins" panose="00000500000000000000" pitchFamily="2" charset="0"/>
+                </a:rPr>
+                <a:t>berupa</a:t>
+              </a:r>
+              <a:r>
+                <a:rPr lang="en-US" sz="1000" dirty="0">
+                  <a:latin typeface="Poppins" panose="00000500000000000000" pitchFamily="2" charset="0"/>
+                  <a:cs typeface="Poppins" panose="00000500000000000000" pitchFamily="2" charset="0"/>
+                </a:rPr>
+                <a:t> json string</a:t>
+              </a:r>
+            </a:p>
+          </p:txBody>
+        </p:sp>
+      </p:grpSp>
+      <p:pic>
+        <p:nvPicPr>
+          <p:cNvPr id="21" name="Picture 20">
+            <a:extLst>
+              <a:ext uri="{FF2B5EF4-FFF2-40B4-BE49-F238E27FC236}">
+                <a16:creationId xmlns:a16="http://schemas.microsoft.com/office/drawing/2014/main" id="{03951A00-2CA2-439E-8962-4124BFDEF778}"/>
+              </a:ext>
+            </a:extLst>
+          </p:cNvPr>
+          <p:cNvPicPr>
+            <a:picLocks noChangeAspect="1"/>
+          </p:cNvPicPr>
+          <p:nvPr/>
+        </p:nvPicPr>
+        <p:blipFill>
+          <a:blip r:embed="rId3">
+            <a:extLst>
+              <a:ext uri="{28A0092B-C50C-407E-A947-70E740481C1C}">
+                <a14:useLocalDpi xmlns:a14="http://schemas.microsoft.com/office/drawing/2010/main" val="0"/>
+              </a:ext>
+            </a:extLst>
+          </a:blip>
+          <a:stretch>
+            <a:fillRect/>
+          </a:stretch>
+        </p:blipFill>
+        <p:spPr>
+          <a:xfrm>
+            <a:off x="6265333" y="2733839"/>
+            <a:ext cx="5313289" cy="2555875"/>
+          </a:xfrm>
+          <a:prstGeom prst="rect">
+            <a:avLst/>
+          </a:prstGeom>
+        </p:spPr>
+      </p:pic>
+      <p:cxnSp>
+        <p:nvCxnSpPr>
+          <p:cNvPr id="22" name="Straight Connector 21">
+            <a:extLst>
+              <a:ext uri="{FF2B5EF4-FFF2-40B4-BE49-F238E27FC236}">
+                <a16:creationId xmlns:a16="http://schemas.microsoft.com/office/drawing/2014/main" id="{B103BD3E-7AF9-4DFE-8D86-88C73C5F8EDE}"/>
+              </a:ext>
+            </a:extLst>
+          </p:cNvPr>
+          <p:cNvCxnSpPr>
+            <a:cxnSpLocks/>
+          </p:cNvCxnSpPr>
+          <p:nvPr/>
+        </p:nvCxnSpPr>
+        <p:spPr>
+          <a:xfrm flipH="1">
+            <a:off x="5842023" y="4011776"/>
+            <a:ext cx="1176867" cy="0"/>
+          </a:xfrm>
+          <a:prstGeom prst="line">
+            <a:avLst/>
+          </a:prstGeom>
+          <a:ln>
+            <a:solidFill>
+              <a:srgbClr val="FF0000"/>
+            </a:solidFill>
+          </a:ln>
+        </p:spPr>
+        <p:style>
+          <a:lnRef idx="1">
+            <a:schemeClr val="accent6"/>
+          </a:lnRef>
+          <a:fillRef idx="0">
+            <a:schemeClr val="accent6"/>
+          </a:fillRef>
+          <a:effectRef idx="0">
+            <a:schemeClr val="accent6"/>
+          </a:effectRef>
+          <a:fontRef idx="minor">
+            <a:schemeClr val="tx1"/>
+          </a:fontRef>
+        </p:style>
+      </p:cxnSp>
+      <p:sp>
+        <p:nvSpPr>
+          <p:cNvPr id="23" name="TextBox 22">
+            <a:extLst>
+              <a:ext uri="{FF2B5EF4-FFF2-40B4-BE49-F238E27FC236}">
+                <a16:creationId xmlns:a16="http://schemas.microsoft.com/office/drawing/2014/main" id="{E986F1DB-34A7-4E18-AE1F-5CBD553F9445}"/>
+              </a:ext>
+            </a:extLst>
+          </p:cNvPr>
+          <p:cNvSpPr txBox="1"/>
+          <p:nvPr/>
+        </p:nvSpPr>
+        <p:spPr>
+          <a:xfrm>
+            <a:off x="4307473" y="3837066"/>
+            <a:ext cx="1657292" cy="400110"/>
+          </a:xfrm>
+          <a:prstGeom prst="rect">
+            <a:avLst/>
+          </a:prstGeom>
+          <a:noFill/>
+        </p:spPr>
+        <p:txBody>
+          <a:bodyPr wrap="square" rtlCol="0">
+            <a:spAutoFit/>
+          </a:bodyPr>
+          <a:lstStyle/>
+          <a:p>
+            <a:r>
+              <a:rPr lang="en-US" sz="1000" dirty="0" err="1">
+                <a:latin typeface="Poppins" panose="00000500000000000000" pitchFamily="2" charset="0"/>
+                <a:cs typeface="Poppins" panose="00000500000000000000" pitchFamily="2" charset="0"/>
+              </a:rPr>
+              <a:t>Mengembalikan</a:t>
+            </a:r>
+            <a:r>
+              <a:rPr lang="en-US" sz="1000" dirty="0">
+                <a:latin typeface="Poppins" panose="00000500000000000000" pitchFamily="2" charset="0"/>
+                <a:cs typeface="Poppins" panose="00000500000000000000" pitchFamily="2" charset="0"/>
+              </a:rPr>
+              <a:t> </a:t>
+            </a:r>
+            <a:r>
+              <a:rPr lang="en-US" sz="1000" dirty="0" err="1">
+                <a:latin typeface="Poppins" panose="00000500000000000000" pitchFamily="2" charset="0"/>
+                <a:cs typeface="Poppins" panose="00000500000000000000" pitchFamily="2" charset="0"/>
+              </a:rPr>
+              <a:t>nilai</a:t>
+            </a:r>
+            <a:r>
+              <a:rPr lang="en-US" sz="1000" dirty="0">
+                <a:latin typeface="Poppins" panose="00000500000000000000" pitchFamily="2" charset="0"/>
+                <a:cs typeface="Poppins" panose="00000500000000000000" pitchFamily="2" charset="0"/>
+              </a:rPr>
+              <a:t> </a:t>
+            </a:r>
+            <a:r>
+              <a:rPr lang="en-US" sz="1000" dirty="0" err="1">
+                <a:latin typeface="Poppins" panose="00000500000000000000" pitchFamily="2" charset="0"/>
+                <a:cs typeface="Poppins" panose="00000500000000000000" pitchFamily="2" charset="0"/>
+              </a:rPr>
+              <a:t>berupa</a:t>
+            </a:r>
+            <a:r>
+              <a:rPr lang="en-US" sz="1000" dirty="0">
+                <a:latin typeface="Poppins" panose="00000500000000000000" pitchFamily="2" charset="0"/>
+                <a:cs typeface="Poppins" panose="00000500000000000000" pitchFamily="2" charset="0"/>
+              </a:rPr>
+              <a:t> object</a:t>
+            </a:r>
+          </a:p>
+        </p:txBody>
+      </p:sp>
+      <p:cxnSp>
+        <p:nvCxnSpPr>
+          <p:cNvPr id="24" name="Straight Connector 23">
+            <a:extLst>
+              <a:ext uri="{FF2B5EF4-FFF2-40B4-BE49-F238E27FC236}">
+                <a16:creationId xmlns:a16="http://schemas.microsoft.com/office/drawing/2014/main" id="{6A4B6ACD-19CE-40C2-B224-28E8232A0ADF}"/>
+              </a:ext>
+            </a:extLst>
+          </p:cNvPr>
+          <p:cNvCxnSpPr>
+            <a:cxnSpLocks/>
+          </p:cNvCxnSpPr>
+          <p:nvPr/>
+        </p:nvCxnSpPr>
+        <p:spPr>
+          <a:xfrm flipH="1">
+            <a:off x="5842023" y="4604442"/>
+            <a:ext cx="1930378" cy="423865"/>
+          </a:xfrm>
+          <a:prstGeom prst="line">
+            <a:avLst/>
+          </a:prstGeom>
+          <a:ln>
+            <a:solidFill>
+              <a:srgbClr val="FF0000"/>
+            </a:solidFill>
+          </a:ln>
+        </p:spPr>
+        <p:style>
+          <a:lnRef idx="1">
+            <a:schemeClr val="accent6"/>
+          </a:lnRef>
+          <a:fillRef idx="0">
+            <a:schemeClr val="accent6"/>
+          </a:fillRef>
+          <a:effectRef idx="0">
+            <a:schemeClr val="accent6"/>
+          </a:effectRef>
+          <a:fontRef idx="minor">
+            <a:schemeClr val="tx1"/>
+          </a:fontRef>
+        </p:style>
+      </p:cxnSp>
+      <p:sp>
+        <p:nvSpPr>
+          <p:cNvPr id="26" name="TextBox 25">
+            <a:extLst>
+              <a:ext uri="{FF2B5EF4-FFF2-40B4-BE49-F238E27FC236}">
+                <a16:creationId xmlns:a16="http://schemas.microsoft.com/office/drawing/2014/main" id="{EC170A76-5AE7-4D92-AE98-0ECD891B2789}"/>
+              </a:ext>
+            </a:extLst>
+          </p:cNvPr>
+          <p:cNvSpPr txBox="1"/>
+          <p:nvPr/>
+        </p:nvSpPr>
+        <p:spPr>
+          <a:xfrm>
+            <a:off x="4457722" y="4912789"/>
+            <a:ext cx="1384301" cy="246221"/>
+          </a:xfrm>
+          <a:prstGeom prst="rect">
+            <a:avLst/>
+          </a:prstGeom>
+          <a:noFill/>
+        </p:spPr>
+        <p:txBody>
+          <a:bodyPr wrap="square" rtlCol="0">
+            <a:spAutoFit/>
+          </a:bodyPr>
+          <a:lstStyle/>
+          <a:p>
+            <a:r>
+              <a:rPr lang="en-US" sz="1000" dirty="0">
+                <a:latin typeface="Poppins" panose="00000500000000000000" pitchFamily="2" charset="0"/>
+                <a:cs typeface="Poppins" panose="00000500000000000000" pitchFamily="2" charset="0"/>
+              </a:rPr>
+              <a:t>Destructing object</a:t>
+            </a:r>
+          </a:p>
+        </p:txBody>
+      </p:sp>
+      <p:sp>
+        <p:nvSpPr>
+          <p:cNvPr id="16" name="TextBox 15">
+            <a:extLst>
+              <a:ext uri="{FF2B5EF4-FFF2-40B4-BE49-F238E27FC236}">
+                <a16:creationId xmlns:a16="http://schemas.microsoft.com/office/drawing/2014/main" id="{18A1D755-4293-4762-BD08-3AA21BE2607C}"/>
+              </a:ext>
+            </a:extLst>
+          </p:cNvPr>
+          <p:cNvSpPr txBox="1"/>
+          <p:nvPr/>
+        </p:nvSpPr>
+        <p:spPr>
+          <a:xfrm>
+            <a:off x="904116" y="5457962"/>
+            <a:ext cx="4563050" cy="246221"/>
+          </a:xfrm>
+          <a:prstGeom prst="rect">
+            <a:avLst/>
+          </a:prstGeom>
+          <a:noFill/>
+        </p:spPr>
+        <p:txBody>
+          <a:bodyPr wrap="square" rtlCol="0">
+            <a:spAutoFit/>
+          </a:bodyPr>
+          <a:lstStyle/>
+          <a:p>
+            <a:r>
+              <a:rPr lang="en-US" sz="1000" dirty="0" err="1">
+                <a:latin typeface="Poppins" panose="00000500000000000000" pitchFamily="2" charset="0"/>
+                <a:cs typeface="Poppins" panose="00000500000000000000" pitchFamily="2" charset="0"/>
+              </a:rPr>
+              <a:t>Biasanya</a:t>
+            </a:r>
+            <a:r>
+              <a:rPr lang="en-US" sz="1000" dirty="0">
+                <a:latin typeface="Poppins" panose="00000500000000000000" pitchFamily="2" charset="0"/>
+                <a:cs typeface="Poppins" panose="00000500000000000000" pitchFamily="2" charset="0"/>
+              </a:rPr>
+              <a:t> </a:t>
+            </a:r>
+            <a:r>
+              <a:rPr lang="en-US" sz="1000" dirty="0" err="1">
+                <a:latin typeface="Poppins" panose="00000500000000000000" pitchFamily="2" charset="0"/>
+                <a:cs typeface="Poppins" panose="00000500000000000000" pitchFamily="2" charset="0"/>
+              </a:rPr>
+              <a:t>untuk</a:t>
+            </a:r>
+            <a:r>
+              <a:rPr lang="en-US" sz="1000" dirty="0">
+                <a:latin typeface="Poppins" panose="00000500000000000000" pitchFamily="2" charset="0"/>
+                <a:cs typeface="Poppins" panose="00000500000000000000" pitchFamily="2" charset="0"/>
+              </a:rPr>
+              <a:t> </a:t>
+            </a:r>
+            <a:r>
+              <a:rPr lang="en-US" sz="1000" dirty="0" err="1">
+                <a:latin typeface="Poppins" panose="00000500000000000000" pitchFamily="2" charset="0"/>
+                <a:cs typeface="Poppins" panose="00000500000000000000" pitchFamily="2" charset="0"/>
+              </a:rPr>
+              <a:t>menyimpan</a:t>
+            </a:r>
+            <a:r>
+              <a:rPr lang="en-US" sz="1000" dirty="0">
+                <a:latin typeface="Poppins" panose="00000500000000000000" pitchFamily="2" charset="0"/>
+                <a:cs typeface="Poppins" panose="00000500000000000000" pitchFamily="2" charset="0"/>
+              </a:rPr>
+              <a:t> token / data yang </a:t>
+            </a:r>
+            <a:r>
+              <a:rPr lang="en-US" sz="1000" dirty="0" err="1">
+                <a:latin typeface="Poppins" panose="00000500000000000000" pitchFamily="2" charset="0"/>
+                <a:cs typeface="Poppins" panose="00000500000000000000" pitchFamily="2" charset="0"/>
+              </a:rPr>
+              <a:t>tidak</a:t>
+            </a:r>
+            <a:r>
+              <a:rPr lang="en-US" sz="1000" dirty="0">
+                <a:latin typeface="Poppins" panose="00000500000000000000" pitchFamily="2" charset="0"/>
+                <a:cs typeface="Poppins" panose="00000500000000000000" pitchFamily="2" charset="0"/>
+              </a:rPr>
+              <a:t> </a:t>
+            </a:r>
+            <a:r>
+              <a:rPr lang="en-US" sz="1000" dirty="0" err="1">
+                <a:latin typeface="Poppins" panose="00000500000000000000" pitchFamily="2" charset="0"/>
+                <a:cs typeface="Poppins" panose="00000500000000000000" pitchFamily="2" charset="0"/>
+              </a:rPr>
+              <a:t>terlalu</a:t>
+            </a:r>
+            <a:r>
+              <a:rPr lang="en-US" sz="1000" dirty="0">
+                <a:latin typeface="Poppins" panose="00000500000000000000" pitchFamily="2" charset="0"/>
+                <a:cs typeface="Poppins" panose="00000500000000000000" pitchFamily="2" charset="0"/>
+              </a:rPr>
+              <a:t> </a:t>
+            </a:r>
+            <a:r>
+              <a:rPr lang="en-US" sz="1000" dirty="0" err="1">
+                <a:latin typeface="Poppins" panose="00000500000000000000" pitchFamily="2" charset="0"/>
+                <a:cs typeface="Poppins" panose="00000500000000000000" pitchFamily="2" charset="0"/>
+              </a:rPr>
+              <a:t>privasi</a:t>
+            </a:r>
+            <a:endParaRPr lang="en-US" sz="1000" dirty="0">
+              <a:latin typeface="Poppins" panose="00000500000000000000" pitchFamily="2" charset="0"/>
+              <a:cs typeface="Poppins" panose="00000500000000000000" pitchFamily="2" charset="0"/>
+            </a:endParaRPr>
+          </a:p>
+        </p:txBody>
+      </p:sp>
+    </p:spTree>
+    <p:extLst>
+      <p:ext uri="{BB962C8B-B14F-4D97-AF65-F5344CB8AC3E}">
+        <p14:creationId xmlns:p14="http://schemas.microsoft.com/office/powerpoint/2010/main" val="73929883"/>
+      </p:ext>
+    </p:extLst>
+  </p:cSld>
+  <p:clrMapOvr>
+    <a:masterClrMapping/>
+  </p:clrMapOvr>
+</p:sld>
+</file>
+
+<file path=ppt/slides/slide5.xml><?xml version="1.0" encoding="utf-8"?>
+<p:sld xmlns:a="http://schemas.openxmlformats.org/drawingml/2006/main" xmlns:r="http://schemas.openxmlformats.org/officeDocument/2006/relationships" xmlns:p="http://schemas.openxmlformats.org/presentationml/2006/main">
+  <p:cSld>
+    <p:spTree>
+      <p:nvGrpSpPr>
+        <p:cNvPr id="1" name=""/>
+        <p:cNvGrpSpPr/>
+        <p:nvPr/>
+      </p:nvGrpSpPr>
+      <p:grpSpPr>
+        <a:xfrm>
+          <a:off x="0" y="0"/>
+          <a:ext cx="0" cy="0"/>
+          <a:chOff x="0" y="0"/>
+          <a:chExt cx="0" cy="0"/>
+        </a:xfrm>
+      </p:grpSpPr>
+      <p:pic>
+        <p:nvPicPr>
+          <p:cNvPr id="3" name="Picture 2">
+            <a:extLst>
+              <a:ext uri="{FF2B5EF4-FFF2-40B4-BE49-F238E27FC236}">
+                <a16:creationId xmlns:a16="http://schemas.microsoft.com/office/drawing/2014/main" id="{700BEE3F-9F33-4785-80BE-7BCC17EF3846}"/>
+              </a:ext>
+            </a:extLst>
+          </p:cNvPr>
+          <p:cNvPicPr>
+            <a:picLocks noChangeAspect="1"/>
+          </p:cNvPicPr>
+          <p:nvPr/>
+        </p:nvPicPr>
+        <p:blipFill>
+          <a:blip r:embed="rId2">
+            <a:extLst>
+              <a:ext uri="{28A0092B-C50C-407E-A947-70E740481C1C}">
+                <a14:useLocalDpi xmlns:a14="http://schemas.microsoft.com/office/drawing/2010/main" val="0"/>
+              </a:ext>
+            </a:extLst>
+          </a:blip>
+          <a:stretch>
+            <a:fillRect/>
+          </a:stretch>
+        </p:blipFill>
+        <p:spPr>
+          <a:xfrm>
+            <a:off x="1727199" y="691677"/>
+            <a:ext cx="3395133" cy="2453995"/>
+          </a:xfrm>
+          <a:prstGeom prst="rect">
+            <a:avLst/>
+          </a:prstGeom>
+        </p:spPr>
+      </p:pic>
+      <p:pic>
+        <p:nvPicPr>
+          <p:cNvPr id="5" name="Picture 4">
+            <a:extLst>
+              <a:ext uri="{FF2B5EF4-FFF2-40B4-BE49-F238E27FC236}">
+                <a16:creationId xmlns:a16="http://schemas.microsoft.com/office/drawing/2014/main" id="{5ADFB93B-1EB8-40E7-9EDB-C8C7C77394F1}"/>
+              </a:ext>
+            </a:extLst>
+          </p:cNvPr>
+          <p:cNvPicPr>
+            <a:picLocks noChangeAspect="1"/>
+          </p:cNvPicPr>
+          <p:nvPr/>
+        </p:nvPicPr>
+        <p:blipFill>
+          <a:blip r:embed="rId3">
+            <a:extLst>
+              <a:ext uri="{28A0092B-C50C-407E-A947-70E740481C1C}">
+                <a14:useLocalDpi xmlns:a14="http://schemas.microsoft.com/office/drawing/2010/main" val="0"/>
+              </a:ext>
+            </a:extLst>
+          </a:blip>
+          <a:stretch>
+            <a:fillRect/>
+          </a:stretch>
+        </p:blipFill>
+        <p:spPr>
+          <a:xfrm>
+            <a:off x="6096000" y="3145672"/>
+            <a:ext cx="4458758" cy="2424763"/>
+          </a:xfrm>
+          <a:prstGeom prst="rect">
+            <a:avLst/>
+          </a:prstGeom>
+        </p:spPr>
+      </p:pic>
+      <p:cxnSp>
+        <p:nvCxnSpPr>
+          <p:cNvPr id="6" name="Straight Connector 5">
+            <a:extLst>
+              <a:ext uri="{FF2B5EF4-FFF2-40B4-BE49-F238E27FC236}">
+                <a16:creationId xmlns:a16="http://schemas.microsoft.com/office/drawing/2014/main" id="{47C5D44F-BC54-4536-B0FC-663B6177522E}"/>
+              </a:ext>
+            </a:extLst>
+          </p:cNvPr>
+          <p:cNvCxnSpPr>
+            <a:cxnSpLocks/>
+          </p:cNvCxnSpPr>
+          <p:nvPr/>
+        </p:nvCxnSpPr>
+        <p:spPr>
+          <a:xfrm flipH="1">
+            <a:off x="5774290" y="4520669"/>
+            <a:ext cx="1176867" cy="0"/>
+          </a:xfrm>
+          <a:prstGeom prst="line">
+            <a:avLst/>
+          </a:prstGeom>
+          <a:ln>
+            <a:solidFill>
+              <a:srgbClr val="FF0000"/>
+            </a:solidFill>
+          </a:ln>
+        </p:spPr>
+        <p:style>
+          <a:lnRef idx="1">
+            <a:schemeClr val="accent6"/>
+          </a:lnRef>
+          <a:fillRef idx="0">
+            <a:schemeClr val="accent6"/>
+          </a:fillRef>
+          <a:effectRef idx="0">
+            <a:schemeClr val="accent6"/>
+          </a:effectRef>
+          <a:fontRef idx="minor">
+            <a:schemeClr val="tx1"/>
+          </a:fontRef>
+        </p:style>
+      </p:cxnSp>
+      <p:sp>
+        <p:nvSpPr>
+          <p:cNvPr id="7" name="TextBox 6">
+            <a:extLst>
+              <a:ext uri="{FF2B5EF4-FFF2-40B4-BE49-F238E27FC236}">
+                <a16:creationId xmlns:a16="http://schemas.microsoft.com/office/drawing/2014/main" id="{593AD5EB-8B74-44B8-9048-A1A55549AABE}"/>
+              </a:ext>
+            </a:extLst>
+          </p:cNvPr>
+          <p:cNvSpPr txBox="1"/>
+          <p:nvPr/>
+        </p:nvSpPr>
+        <p:spPr>
+          <a:xfrm>
+            <a:off x="4205873" y="4320614"/>
+            <a:ext cx="1657292" cy="400110"/>
+          </a:xfrm>
+          <a:prstGeom prst="rect">
+            <a:avLst/>
+          </a:prstGeom>
+          <a:noFill/>
+        </p:spPr>
+        <p:txBody>
+          <a:bodyPr wrap="square" rtlCol="0">
+            <a:spAutoFit/>
+          </a:bodyPr>
+          <a:lstStyle/>
+          <a:p>
+            <a:r>
+              <a:rPr lang="en-US" sz="1000" dirty="0" err="1">
+                <a:latin typeface="Poppins" panose="00000500000000000000" pitchFamily="2" charset="0"/>
+                <a:cs typeface="Poppins" panose="00000500000000000000" pitchFamily="2" charset="0"/>
+              </a:rPr>
+              <a:t>Menghapus</a:t>
+            </a:r>
+            <a:r>
+              <a:rPr lang="en-US" sz="1000" dirty="0">
+                <a:latin typeface="Poppins" panose="00000500000000000000" pitchFamily="2" charset="0"/>
+                <a:cs typeface="Poppins" panose="00000500000000000000" pitchFamily="2" charset="0"/>
+              </a:rPr>
+              <a:t> item </a:t>
+            </a:r>
+            <a:r>
+              <a:rPr lang="en-US" sz="1000" dirty="0" err="1">
+                <a:latin typeface="Poppins" panose="00000500000000000000" pitchFamily="2" charset="0"/>
+                <a:cs typeface="Poppins" panose="00000500000000000000" pitchFamily="2" charset="0"/>
+              </a:rPr>
+              <a:t>berdasarkan</a:t>
+            </a:r>
+            <a:r>
+              <a:rPr lang="en-US" sz="1000" dirty="0">
+                <a:latin typeface="Poppins" panose="00000500000000000000" pitchFamily="2" charset="0"/>
+                <a:cs typeface="Poppins" panose="00000500000000000000" pitchFamily="2" charset="0"/>
+              </a:rPr>
+              <a:t> key</a:t>
+            </a:r>
+          </a:p>
+        </p:txBody>
+      </p:sp>
+      <p:sp>
+        <p:nvSpPr>
+          <p:cNvPr id="8" name="TextBox 7">
+            <a:extLst>
+              <a:ext uri="{FF2B5EF4-FFF2-40B4-BE49-F238E27FC236}">
+                <a16:creationId xmlns:a16="http://schemas.microsoft.com/office/drawing/2014/main" id="{6DB2D167-5731-4728-9C47-8D8D52ABA59B}"/>
+              </a:ext>
+            </a:extLst>
+          </p:cNvPr>
+          <p:cNvSpPr txBox="1"/>
+          <p:nvPr/>
+        </p:nvSpPr>
+        <p:spPr>
+          <a:xfrm>
+            <a:off x="5293865" y="1645147"/>
+            <a:ext cx="1657292" cy="553998"/>
+          </a:xfrm>
+          <a:prstGeom prst="rect">
+            <a:avLst/>
+          </a:prstGeom>
+          <a:noFill/>
+        </p:spPr>
+        <p:txBody>
+          <a:bodyPr wrap="square" rtlCol="0">
+            <a:spAutoFit/>
+          </a:bodyPr>
+          <a:lstStyle/>
+          <a:p>
+            <a:r>
+              <a:rPr lang="en-US" sz="1000" dirty="0" err="1">
+                <a:latin typeface="Poppins" panose="00000500000000000000" pitchFamily="2" charset="0"/>
+                <a:cs typeface="Poppins" panose="00000500000000000000" pitchFamily="2" charset="0"/>
+              </a:rPr>
+              <a:t>Menghapus</a:t>
+            </a:r>
+            <a:r>
+              <a:rPr lang="en-US" sz="1000" dirty="0">
+                <a:latin typeface="Poppins" panose="00000500000000000000" pitchFamily="2" charset="0"/>
+                <a:cs typeface="Poppins" panose="00000500000000000000" pitchFamily="2" charset="0"/>
+              </a:rPr>
+              <a:t> </a:t>
+            </a:r>
+            <a:r>
+              <a:rPr lang="en-US" sz="1000" dirty="0" err="1">
+                <a:latin typeface="Poppins" panose="00000500000000000000" pitchFamily="2" charset="0"/>
+                <a:cs typeface="Poppins" panose="00000500000000000000" pitchFamily="2" charset="0"/>
+              </a:rPr>
+              <a:t>semua</a:t>
+            </a:r>
+            <a:r>
+              <a:rPr lang="en-US" sz="1000" dirty="0">
+                <a:latin typeface="Poppins" panose="00000500000000000000" pitchFamily="2" charset="0"/>
+                <a:cs typeface="Poppins" panose="00000500000000000000" pitchFamily="2" charset="0"/>
+              </a:rPr>
+              <a:t> item / </a:t>
+            </a:r>
+            <a:r>
+              <a:rPr lang="en-US" sz="1000" dirty="0" err="1">
+                <a:latin typeface="Poppins" panose="00000500000000000000" pitchFamily="2" charset="0"/>
+                <a:cs typeface="Poppins" panose="00000500000000000000" pitchFamily="2" charset="0"/>
+              </a:rPr>
+              <a:t>mengosongkan</a:t>
+            </a:r>
+            <a:r>
+              <a:rPr lang="en-US" sz="1000" dirty="0">
+                <a:latin typeface="Poppins" panose="00000500000000000000" pitchFamily="2" charset="0"/>
+                <a:cs typeface="Poppins" panose="00000500000000000000" pitchFamily="2" charset="0"/>
+              </a:rPr>
+              <a:t> local storage</a:t>
+            </a:r>
+          </a:p>
+        </p:txBody>
+      </p:sp>
+      <p:cxnSp>
+        <p:nvCxnSpPr>
+          <p:cNvPr id="9" name="Straight Connector 8">
+            <a:extLst>
+              <a:ext uri="{FF2B5EF4-FFF2-40B4-BE49-F238E27FC236}">
+                <a16:creationId xmlns:a16="http://schemas.microsoft.com/office/drawing/2014/main" id="{9DDE415F-9AA5-40BE-9FC9-F2AB2E4FC5CD}"/>
+              </a:ext>
+            </a:extLst>
+          </p:cNvPr>
+          <p:cNvCxnSpPr>
+            <a:cxnSpLocks/>
+          </p:cNvCxnSpPr>
+          <p:nvPr/>
+        </p:nvCxnSpPr>
+        <p:spPr>
+          <a:xfrm flipH="1">
+            <a:off x="4114823" y="1845202"/>
+            <a:ext cx="1176867" cy="0"/>
+          </a:xfrm>
+          <a:prstGeom prst="line">
+            <a:avLst/>
+          </a:prstGeom>
+          <a:ln>
+            <a:solidFill>
+              <a:srgbClr val="FF0000"/>
+            </a:solidFill>
+          </a:ln>
+        </p:spPr>
+        <p:style>
+          <a:lnRef idx="1">
+            <a:schemeClr val="accent6"/>
+          </a:lnRef>
+          <a:fillRef idx="0">
+            <a:schemeClr val="accent6"/>
+          </a:fillRef>
+          <a:effectRef idx="0">
+            <a:schemeClr val="accent6"/>
+          </a:effectRef>
+          <a:fontRef idx="minor">
+            <a:schemeClr val="tx1"/>
+          </a:fontRef>
+        </p:style>
+      </p:cxnSp>
+    </p:spTree>
+    <p:extLst>
+      <p:ext uri="{BB962C8B-B14F-4D97-AF65-F5344CB8AC3E}">
+        <p14:creationId xmlns:p14="http://schemas.microsoft.com/office/powerpoint/2010/main" val="2747002358"/>
+      </p:ext>
+    </p:extLst>
+  </p:cSld>
+  <p:clrMapOvr>
+    <a:masterClrMapping/>
+  </p:clrMapOvr>
+</p:sld>
+</file>
+
+<file path=ppt/slides/slide6.xml><?xml version="1.0" encoding="utf-8"?>
+<p:sld xmlns:a="http://schemas.openxmlformats.org/drawingml/2006/main" xmlns:r="http://schemas.openxmlformats.org/officeDocument/2006/relationships" xmlns:p="http://schemas.openxmlformats.org/presentationml/2006/main">
+  <p:cSld>
+    <p:spTree>
+      <p:nvGrpSpPr>
+        <p:cNvPr id="1" name=""/>
+        <p:cNvGrpSpPr/>
+        <p:nvPr/>
+      </p:nvGrpSpPr>
+      <p:grpSpPr>
+        <a:xfrm>
+          <a:off x="0" y="0"/>
+          <a:ext cx="0" cy="0"/>
+          <a:chOff x="0" y="0"/>
+          <a:chExt cx="0" cy="0"/>
+        </a:xfrm>
+      </p:grpSpPr>
+      <p:sp>
+        <p:nvSpPr>
           <p:cNvPr id="3" name="TextBox 2">
             <a:extLst>
               <a:ext uri="{FF2B5EF4-FFF2-40B4-BE49-F238E27FC236}">
